--- a/Students Dropout presentation.pptx
+++ b/Students Dropout presentation.pptx
@@ -112,12 +112,18 @@
       </a:defRPr>
     </a:lvl9pPr>
   </p:defaultTextStyle>
+  <p:extLst>
+    <p:ext uri="{EFAFB233-063F-42B5-8137-9DF3F51BA10A}">
+      <p15:sldGuideLst xmlns:p15="http://schemas.microsoft.com/office/powerpoint/2012/main"/>
+    </p:ext>
+  </p:extLst>
 </p:presentation>
 </file>
 
 <file path=ppt/revisionInfo.xml><?xml version="1.0" encoding="utf-8"?>
 <p1510:revInfo xmlns:a="http://schemas.openxmlformats.org/drawingml/2006/main" xmlns:r="http://schemas.openxmlformats.org/officeDocument/2006/relationships" xmlns:p1510="http://schemas.microsoft.com/office/powerpoint/2015/10/main">
   <p1510:revLst>
+    <p1510:client id="{6F5FEF7D-8D9A-4B05-9DDE-615BFBABE631}" v="2" dt="2025-05-10T17:10:47.644"/>
     <p1510:client id="{903EDA74-8F47-46CF-B439-94E56305144E}" v="7" dt="2025-05-10T13:20:50.595"/>
   </p1510:revLst>
 </p1510:revInfo>
@@ -406,6 +412,109 @@
             <ac:cxnSpMk id="8" creationId="{E37FBB93-B714-BB62-8C9B-DB13A93DAB6C}"/>
           </ac:cxnSpMkLst>
         </pc:cxnChg>
+      </pc:sldChg>
+    </pc:docChg>
+  </pc:docChgLst>
+  <pc:docChgLst>
+    <pc:chgData name="Florencia Ogorinsky" userId="ae89a76e0b509e53" providerId="LiveId" clId="{6F5FEF7D-8D9A-4B05-9DDE-615BFBABE631}"/>
+    <pc:docChg chg="undo custSel modSld">
+      <pc:chgData name="Florencia Ogorinsky" userId="ae89a76e0b509e53" providerId="LiveId" clId="{6F5FEF7D-8D9A-4B05-9DDE-615BFBABE631}" dt="2025-05-10T17:22:36.672" v="70" actId="14100"/>
+      <pc:docMkLst>
+        <pc:docMk/>
+      </pc:docMkLst>
+      <pc:sldChg chg="addSp delSp modSp mod">
+        <pc:chgData name="Florencia Ogorinsky" userId="ae89a76e0b509e53" providerId="LiveId" clId="{6F5FEF7D-8D9A-4B05-9DDE-615BFBABE631}" dt="2025-05-10T17:22:36.672" v="70" actId="14100"/>
+        <pc:sldMkLst>
+          <pc:docMk/>
+          <pc:sldMk cId="3638589331" sldId="266"/>
+        </pc:sldMkLst>
+        <pc:picChg chg="add mod">
+          <ac:chgData name="Florencia Ogorinsky" userId="ae89a76e0b509e53" providerId="LiveId" clId="{6F5FEF7D-8D9A-4B05-9DDE-615BFBABE631}" dt="2025-05-10T17:22:36.672" v="70" actId="14100"/>
+          <ac:picMkLst>
+            <pc:docMk/>
+            <pc:sldMk cId="3638589331" sldId="266"/>
+            <ac:picMk id="5" creationId="{818551F7-3128-E23C-ECFE-26DCDBDC0313}"/>
+          </ac:picMkLst>
+        </pc:picChg>
+        <pc:picChg chg="del">
+          <ac:chgData name="Florencia Ogorinsky" userId="ae89a76e0b509e53" providerId="LiveId" clId="{6F5FEF7D-8D9A-4B05-9DDE-615BFBABE631}" dt="2025-05-10T17:21:48.308" v="64" actId="478"/>
+          <ac:picMkLst>
+            <pc:docMk/>
+            <pc:sldMk cId="3638589331" sldId="266"/>
+            <ac:picMk id="7" creationId="{649374AC-2280-38C5-E53E-AFE28448C853}"/>
+          </ac:picMkLst>
+        </pc:picChg>
+        <pc:picChg chg="del">
+          <ac:chgData name="Florencia Ogorinsky" userId="ae89a76e0b509e53" providerId="LiveId" clId="{6F5FEF7D-8D9A-4B05-9DDE-615BFBABE631}" dt="2025-05-10T17:22:22.541" v="67" actId="478"/>
+          <ac:picMkLst>
+            <pc:docMk/>
+            <pc:sldMk cId="3638589331" sldId="266"/>
+            <ac:picMk id="12" creationId="{572F8CB9-0756-7F1F-0CA5-729403ADB3E3}"/>
+          </ac:picMkLst>
+        </pc:picChg>
+      </pc:sldChg>
+      <pc:sldChg chg="addSp delSp modSp mod">
+        <pc:chgData name="Florencia Ogorinsky" userId="ae89a76e0b509e53" providerId="LiveId" clId="{6F5FEF7D-8D9A-4B05-9DDE-615BFBABE631}" dt="2025-05-10T17:12:27.364" v="63" actId="1076"/>
+        <pc:sldMkLst>
+          <pc:docMk/>
+          <pc:sldMk cId="3142846291" sldId="268"/>
+        </pc:sldMkLst>
+        <pc:spChg chg="mod">
+          <ac:chgData name="Florencia Ogorinsky" userId="ae89a76e0b509e53" providerId="LiveId" clId="{6F5FEF7D-8D9A-4B05-9DDE-615BFBABE631}" dt="2025-05-10T17:12:12.806" v="59" actId="1076"/>
+          <ac:spMkLst>
+            <pc:docMk/>
+            <pc:sldMk cId="3142846291" sldId="268"/>
+            <ac:spMk id="4" creationId="{60AB2351-0260-350B-44C1-30BCAD630755}"/>
+          </ac:spMkLst>
+        </pc:spChg>
+        <pc:spChg chg="mod">
+          <ac:chgData name="Florencia Ogorinsky" userId="ae89a76e0b509e53" providerId="LiveId" clId="{6F5FEF7D-8D9A-4B05-9DDE-615BFBABE631}" dt="2025-05-10T17:12:00.602" v="56" actId="1076"/>
+          <ac:spMkLst>
+            <pc:docMk/>
+            <pc:sldMk cId="3142846291" sldId="268"/>
+            <ac:spMk id="11" creationId="{C2977282-08F3-FA5E-1E86-FAF5EEF26F10}"/>
+          </ac:spMkLst>
+        </pc:spChg>
+        <pc:spChg chg="mod">
+          <ac:chgData name="Florencia Ogorinsky" userId="ae89a76e0b509e53" providerId="LiveId" clId="{6F5FEF7D-8D9A-4B05-9DDE-615BFBABE631}" dt="2025-05-10T17:11:55.141" v="55" actId="1076"/>
+          <ac:spMkLst>
+            <pc:docMk/>
+            <pc:sldMk cId="3142846291" sldId="268"/>
+            <ac:spMk id="16" creationId="{E527996D-9B07-2026-F2FD-5702B78827A2}"/>
+          </ac:spMkLst>
+        </pc:spChg>
+        <pc:picChg chg="mod">
+          <ac:chgData name="Florencia Ogorinsky" userId="ae89a76e0b509e53" providerId="LiveId" clId="{6F5FEF7D-8D9A-4B05-9DDE-615BFBABE631}" dt="2025-05-10T17:12:03.922" v="58" actId="1076"/>
+          <ac:picMkLst>
+            <pc:docMk/>
+            <pc:sldMk cId="3142846291" sldId="268"/>
+            <ac:picMk id="5" creationId="{6D8FC741-1747-DDFE-5E79-E7D9E448AAB1}"/>
+          </ac:picMkLst>
+        </pc:picChg>
+        <pc:picChg chg="add del mod">
+          <ac:chgData name="Florencia Ogorinsky" userId="ae89a76e0b509e53" providerId="LiveId" clId="{6F5FEF7D-8D9A-4B05-9DDE-615BFBABE631}" dt="2025-05-10T17:10:39.961" v="3" actId="478"/>
+          <ac:picMkLst>
+            <pc:docMk/>
+            <pc:sldMk cId="3142846291" sldId="268"/>
+            <ac:picMk id="8" creationId="{ADD91D5C-AAA1-84A2-D19F-E47B3CC0B1C3}"/>
+          </ac:picMkLst>
+        </pc:picChg>
+        <pc:picChg chg="mod">
+          <ac:chgData name="Florencia Ogorinsky" userId="ae89a76e0b509e53" providerId="LiveId" clId="{6F5FEF7D-8D9A-4B05-9DDE-615BFBABE631}" dt="2025-05-10T17:12:19.652" v="61" actId="1076"/>
+          <ac:picMkLst>
+            <pc:docMk/>
+            <pc:sldMk cId="3142846291" sldId="268"/>
+            <ac:picMk id="10" creationId="{378A0157-FCA1-8EC2-FF26-9FA3EFE3FC7B}"/>
+          </ac:picMkLst>
+        </pc:picChg>
+        <pc:picChg chg="add mod">
+          <ac:chgData name="Florencia Ogorinsky" userId="ae89a76e0b509e53" providerId="LiveId" clId="{6F5FEF7D-8D9A-4B05-9DDE-615BFBABE631}" dt="2025-05-10T17:12:27.364" v="63" actId="1076"/>
+          <ac:picMkLst>
+            <pc:docMk/>
+            <pc:sldMk cId="3142846291" sldId="268"/>
+            <ac:picMk id="13" creationId="{1B4D2677-DF73-8F6E-A233-20B830584D9B}"/>
+          </ac:picMkLst>
+        </pc:picChg>
       </pc:sldChg>
     </pc:docChg>
   </pc:docChgLst>
@@ -6583,10 +6692,10 @@
       </p:sp>
       <p:pic>
         <p:nvPicPr>
-          <p:cNvPr id="12" name="Picture 11" descr="A black background with red text&#10;&#10;AI-generated content may be incorrect.">
-            <a:extLst>
-              <a:ext uri="{FF2B5EF4-FFF2-40B4-BE49-F238E27FC236}">
-                <a16:creationId xmlns:a16="http://schemas.microsoft.com/office/drawing/2014/main" id="{572F8CB9-0756-7F1F-0CA5-729403ADB3E3}"/>
+          <p:cNvPr id="5" name="Picture 4">
+            <a:extLst>
+              <a:ext uri="{FF2B5EF4-FFF2-40B4-BE49-F238E27FC236}">
+                <a16:creationId xmlns:a16="http://schemas.microsoft.com/office/drawing/2014/main" id="{818551F7-3128-E23C-ECFE-26DCDBDC0313}"/>
               </a:ext>
             </a:extLst>
           </p:cNvPr>
@@ -6596,43 +6705,7 @@
           <p:nvPr/>
         </p:nvPicPr>
         <p:blipFill>
-          <a:blip r:embed="rId3">
-            <a:extLst>
-              <a:ext uri="{28A0092B-C50C-407E-A947-70E740481C1C}">
-                <a14:useLocalDpi xmlns:a14="http://schemas.microsoft.com/office/drawing/2010/main" val="0"/>
-              </a:ext>
-            </a:extLst>
-          </a:blip>
-          <a:stretch>
-            <a:fillRect/>
-          </a:stretch>
-        </p:blipFill>
-        <p:spPr>
-          <a:xfrm>
-            <a:off x="9291041" y="6293127"/>
-            <a:ext cx="2900959" cy="636175"/>
-          </a:xfrm>
-          <a:prstGeom prst="rect">
-            <a:avLst/>
-          </a:prstGeom>
-        </p:spPr>
-      </p:pic>
-      <p:pic>
-        <p:nvPicPr>
-          <p:cNvPr id="7" name="Picture 6">
-            <a:extLst>
-              <a:ext uri="{FF2B5EF4-FFF2-40B4-BE49-F238E27FC236}">
-                <a16:creationId xmlns:a16="http://schemas.microsoft.com/office/drawing/2014/main" id="{649374AC-2280-38C5-E53E-AFE28448C853}"/>
-              </a:ext>
-            </a:extLst>
-          </p:cNvPr>
-          <p:cNvPicPr>
-            <a:picLocks noChangeAspect="1"/>
-          </p:cNvPicPr>
-          <p:nvPr/>
-        </p:nvPicPr>
-        <p:blipFill>
-          <a:blip r:embed="rId4"/>
+          <a:blip r:embed="rId3"/>
           <a:stretch>
             <a:fillRect/>
           </a:stretch>
@@ -6887,7 +6960,7 @@
         </p:nvSpPr>
         <p:spPr>
           <a:xfrm>
-            <a:off x="935010" y="3730438"/>
+            <a:off x="7405991" y="3811082"/>
             <a:ext cx="3262009" cy="923330"/>
           </a:xfrm>
           <a:prstGeom prst="rect">
@@ -6924,7 +6997,7 @@
         </p:nvSpPr>
         <p:spPr>
           <a:xfrm>
-            <a:off x="3947343" y="3783588"/>
+            <a:off x="3989676" y="3767086"/>
             <a:ext cx="3498715" cy="646331"/>
           </a:xfrm>
           <a:prstGeom prst="rect">
@@ -6961,8 +7034,8 @@
         </p:nvSpPr>
         <p:spPr>
           <a:xfrm>
-            <a:off x="6929681" y="3781797"/>
-            <a:ext cx="3249040" cy="646331"/>
+            <a:off x="943747" y="3677546"/>
+            <a:ext cx="3249040" cy="1200329"/>
           </a:xfrm>
           <a:prstGeom prst="rect">
             <a:avLst/>
@@ -6978,7 +7051,7 @@
             <a:pPr algn="ctr"/>
             <a:r>
               <a:rPr lang="en-US" b="1" dirty="0"/>
-              <a:t>Collect more data for underrepresented programs</a:t>
+              <a:t>Collect more data for underrepresented programs and categories, such as Enrolled</a:t>
             </a:r>
             <a:endParaRPr lang="LID4096" b="1" dirty="0"/>
           </a:p>
@@ -7012,8 +7085,44 @@
         </p:blipFill>
         <p:spPr>
           <a:xfrm>
-            <a:off x="2857500" y="1968491"/>
+            <a:off x="2839202" y="1885707"/>
             <a:ext cx="5715000" cy="1885950"/>
+          </a:xfrm>
+          <a:prstGeom prst="rect">
+            <a:avLst/>
+          </a:prstGeom>
+        </p:spPr>
+      </p:pic>
+      <p:pic>
+        <p:nvPicPr>
+          <p:cNvPr id="13" name="Picture 12" descr="A pie chart with text on it&#10;&#10;AI-generated content may be incorrect.">
+            <a:extLst>
+              <a:ext uri="{FF2B5EF4-FFF2-40B4-BE49-F238E27FC236}">
+                <a16:creationId xmlns:a16="http://schemas.microsoft.com/office/drawing/2014/main" id="{1B4D2677-DF73-8F6E-A233-20B830584D9B}"/>
+              </a:ext>
+            </a:extLst>
+          </p:cNvPr>
+          <p:cNvPicPr>
+            <a:picLocks noChangeAspect="1"/>
+          </p:cNvPicPr>
+          <p:nvPr/>
+        </p:nvPicPr>
+        <p:blipFill>
+          <a:blip r:embed="rId6">
+            <a:extLst>
+              <a:ext uri="{28A0092B-C50C-407E-A947-70E740481C1C}">
+                <a14:useLocalDpi xmlns:a14="http://schemas.microsoft.com/office/drawing/2010/main" val="0"/>
+              </a:ext>
+            </a:extLst>
+          </a:blip>
+          <a:stretch>
+            <a:fillRect/>
+          </a:stretch>
+        </p:blipFill>
+        <p:spPr>
+          <a:xfrm>
+            <a:off x="0" y="4461007"/>
+            <a:ext cx="3262880" cy="2732869"/>
           </a:xfrm>
           <a:prstGeom prst="rect">
             <a:avLst/>

--- a/Students Dropout presentation.pptx
+++ b/Students Dropout presentation.pptx
@@ -5,7 +5,7 @@
     <p:sldMasterId id="2147483648" r:id="rId1"/>
   </p:sldMasterIdLst>
   <p:notesMasterIdLst>
-    <p:notesMasterId r:id="rId8"/>
+    <p:notesMasterId r:id="rId9"/>
   </p:notesMasterIdLst>
   <p:sldIdLst>
     <p:sldId id="263" r:id="rId2"/>
@@ -14,6 +14,7 @@
     <p:sldId id="267" r:id="rId5"/>
     <p:sldId id="266" r:id="rId6"/>
     <p:sldId id="268" r:id="rId7"/>
+    <p:sldId id="269" r:id="rId8"/>
   </p:sldIdLst>
   <p:sldSz cx="12192000" cy="6858000"/>
   <p:notesSz cx="6858000" cy="9144000"/>
@@ -123,7 +124,7 @@
 <file path=ppt/revisionInfo.xml><?xml version="1.0" encoding="utf-8"?>
 <p1510:revInfo xmlns:a="http://schemas.openxmlformats.org/drawingml/2006/main" xmlns:r="http://schemas.openxmlformats.org/officeDocument/2006/relationships" xmlns:p1510="http://schemas.microsoft.com/office/powerpoint/2015/10/main">
   <p1510:revLst>
-    <p1510:client id="{6F5FEF7D-8D9A-4B05-9DDE-615BFBABE631}" v="2" dt="2025-05-10T17:10:47.644"/>
+    <p1510:client id="{6F5FEF7D-8D9A-4B05-9DDE-615BFBABE631}" v="10" dt="2025-05-10T20:55:02.753"/>
     <p1510:client id="{903EDA74-8F47-46CF-B439-94E56305144E}" v="7" dt="2025-05-10T13:20:50.595"/>
   </p1510:revLst>
 </p1510:revInfo>
@@ -417,8 +418,8 @@
   </pc:docChgLst>
   <pc:docChgLst>
     <pc:chgData name="Florencia Ogorinsky" userId="ae89a76e0b509e53" providerId="LiveId" clId="{6F5FEF7D-8D9A-4B05-9DDE-615BFBABE631}"/>
-    <pc:docChg chg="undo custSel modSld">
-      <pc:chgData name="Florencia Ogorinsky" userId="ae89a76e0b509e53" providerId="LiveId" clId="{6F5FEF7D-8D9A-4B05-9DDE-615BFBABE631}" dt="2025-05-10T17:22:36.672" v="70" actId="14100"/>
+    <pc:docChg chg="undo custSel addSld modSld sldOrd">
+      <pc:chgData name="Florencia Ogorinsky" userId="ae89a76e0b509e53" providerId="LiveId" clId="{6F5FEF7D-8D9A-4B05-9DDE-615BFBABE631}" dt="2025-05-10T20:56:50.823" v="119" actId="1035"/>
       <pc:docMkLst>
         <pc:docMk/>
       </pc:docMkLst>
@@ -513,6 +514,109 @@
             <pc:docMk/>
             <pc:sldMk cId="3142846291" sldId="268"/>
             <ac:picMk id="13" creationId="{1B4D2677-DF73-8F6E-A233-20B830584D9B}"/>
+          </ac:picMkLst>
+        </pc:picChg>
+      </pc:sldChg>
+      <pc:sldChg chg="addSp delSp modSp add mod ord">
+        <pc:chgData name="Florencia Ogorinsky" userId="ae89a76e0b509e53" providerId="LiveId" clId="{6F5FEF7D-8D9A-4B05-9DDE-615BFBABE631}" dt="2025-05-10T20:56:50.823" v="119" actId="1035"/>
+        <pc:sldMkLst>
+          <pc:docMk/>
+          <pc:sldMk cId="1537036617" sldId="269"/>
+        </pc:sldMkLst>
+        <pc:spChg chg="mod">
+          <ac:chgData name="Florencia Ogorinsky" userId="ae89a76e0b509e53" providerId="LiveId" clId="{6F5FEF7D-8D9A-4B05-9DDE-615BFBABE631}" dt="2025-05-10T20:42:20.503" v="78" actId="20577"/>
+          <ac:spMkLst>
+            <pc:docMk/>
+            <pc:sldMk cId="1537036617" sldId="269"/>
+            <ac:spMk id="6" creationId="{B3259947-F8BF-B730-6F02-B5BAC459EB9A}"/>
+          </ac:spMkLst>
+        </pc:spChg>
+        <pc:spChg chg="del">
+          <ac:chgData name="Florencia Ogorinsky" userId="ae89a76e0b509e53" providerId="LiveId" clId="{6F5FEF7D-8D9A-4B05-9DDE-615BFBABE631}" dt="2025-05-10T20:42:58.273" v="84" actId="478"/>
+          <ac:spMkLst>
+            <pc:docMk/>
+            <pc:sldMk cId="1537036617" sldId="269"/>
+            <ac:spMk id="15" creationId="{CBD78445-4204-0B5E-C027-DEB0CFABF803}"/>
+          </ac:spMkLst>
+        </pc:spChg>
+        <pc:spChg chg="del">
+          <ac:chgData name="Florencia Ogorinsky" userId="ae89a76e0b509e53" providerId="LiveId" clId="{6F5FEF7D-8D9A-4B05-9DDE-615BFBABE631}" dt="2025-05-10T20:43:00.775" v="85" actId="478"/>
+          <ac:spMkLst>
+            <pc:docMk/>
+            <pc:sldMk cId="1537036617" sldId="269"/>
+            <ac:spMk id="17" creationId="{617BFC12-4A13-4B03-5EED-4E7E6CC64A64}"/>
+          </ac:spMkLst>
+        </pc:spChg>
+        <pc:spChg chg="del">
+          <ac:chgData name="Florencia Ogorinsky" userId="ae89a76e0b509e53" providerId="LiveId" clId="{6F5FEF7D-8D9A-4B05-9DDE-615BFBABE631}" dt="2025-05-10T20:43:03.215" v="86" actId="478"/>
+          <ac:spMkLst>
+            <pc:docMk/>
+            <pc:sldMk cId="1537036617" sldId="269"/>
+            <ac:spMk id="19" creationId="{8C39214D-693F-6C18-FF2A-5BC183B720E3}"/>
+          </ac:spMkLst>
+        </pc:spChg>
+        <pc:picChg chg="mod">
+          <ac:chgData name="Florencia Ogorinsky" userId="ae89a76e0b509e53" providerId="LiveId" clId="{6F5FEF7D-8D9A-4B05-9DDE-615BFBABE631}" dt="2025-05-10T20:56:50.823" v="119" actId="1035"/>
+          <ac:picMkLst>
+            <pc:docMk/>
+            <pc:sldMk cId="1537036617" sldId="269"/>
+            <ac:picMk id="5" creationId="{5EAEE119-3EDF-BFE2-1FEF-29C458784A93}"/>
+          </ac:picMkLst>
+        </pc:picChg>
+        <pc:picChg chg="del">
+          <ac:chgData name="Florencia Ogorinsky" userId="ae89a76e0b509e53" providerId="LiveId" clId="{6F5FEF7D-8D9A-4B05-9DDE-615BFBABE631}" dt="2025-05-10T20:42:54.746" v="83" actId="478"/>
+          <ac:picMkLst>
+            <pc:docMk/>
+            <pc:sldMk cId="1537036617" sldId="269"/>
+            <ac:picMk id="7" creationId="{935CEC09-501D-9E70-E300-C38C40F3D5FF}"/>
+          </ac:picMkLst>
+        </pc:picChg>
+        <pc:picChg chg="add mod">
+          <ac:chgData name="Florencia Ogorinsky" userId="ae89a76e0b509e53" providerId="LiveId" clId="{6F5FEF7D-8D9A-4B05-9DDE-615BFBABE631}" dt="2025-05-10T20:52:42.787" v="114"/>
+          <ac:picMkLst>
+            <pc:docMk/>
+            <pc:sldMk cId="1537036617" sldId="269"/>
+            <ac:picMk id="8" creationId="{04CAF2E3-A190-F538-3C47-108EFF7A00AE}"/>
+          </ac:picMkLst>
+        </pc:picChg>
+        <pc:picChg chg="del">
+          <ac:chgData name="Florencia Ogorinsky" userId="ae89a76e0b509e53" providerId="LiveId" clId="{6F5FEF7D-8D9A-4B05-9DDE-615BFBABE631}" dt="2025-05-10T20:42:53.440" v="82" actId="478"/>
+          <ac:picMkLst>
+            <pc:docMk/>
+            <pc:sldMk cId="1537036617" sldId="269"/>
+            <ac:picMk id="9" creationId="{934AFA3E-FD03-DAB1-D53C-F3DEF2A43B06}"/>
+          </ac:picMkLst>
+        </pc:picChg>
+        <pc:picChg chg="del">
+          <ac:chgData name="Florencia Ogorinsky" userId="ae89a76e0b509e53" providerId="LiveId" clId="{6F5FEF7D-8D9A-4B05-9DDE-615BFBABE631}" dt="2025-05-10T20:42:50.265" v="81" actId="478"/>
+          <ac:picMkLst>
+            <pc:docMk/>
+            <pc:sldMk cId="1537036617" sldId="269"/>
+            <ac:picMk id="11" creationId="{125B1C63-902D-0C96-CACF-DFC8011E7659}"/>
+          </ac:picMkLst>
+        </pc:picChg>
+        <pc:picChg chg="add mod">
+          <ac:chgData name="Florencia Ogorinsky" userId="ae89a76e0b509e53" providerId="LiveId" clId="{6F5FEF7D-8D9A-4B05-9DDE-615BFBABE631}" dt="2025-05-10T20:53:39.071" v="116"/>
+          <ac:picMkLst>
+            <pc:docMk/>
+            <pc:sldMk cId="1537036617" sldId="269"/>
+            <ac:picMk id="13" creationId="{A01432F0-6C7E-9DCA-D3EF-F4F134A8825E}"/>
+          </ac:picMkLst>
+        </pc:picChg>
+        <pc:picChg chg="add mod">
+          <ac:chgData name="Florencia Ogorinsky" userId="ae89a76e0b509e53" providerId="LiveId" clId="{6F5FEF7D-8D9A-4B05-9DDE-615BFBABE631}" dt="2025-05-10T20:54:38.116" v="117"/>
+          <ac:picMkLst>
+            <pc:docMk/>
+            <pc:sldMk cId="1537036617" sldId="269"/>
+            <ac:picMk id="16" creationId="{7F1D4758-A01D-705E-1FB6-2BD3A170B449}"/>
+          </ac:picMkLst>
+        </pc:picChg>
+        <pc:picChg chg="add mod">
+          <ac:chgData name="Florencia Ogorinsky" userId="ae89a76e0b509e53" providerId="LiveId" clId="{6F5FEF7D-8D9A-4B05-9DDE-615BFBABE631}" dt="2025-05-10T20:55:02.753" v="118"/>
+          <ac:picMkLst>
+            <pc:docMk/>
+            <pc:sldMk cId="1537036617" sldId="269"/>
+            <ac:picMk id="20" creationId="{F1932465-3360-C765-3251-774EBE16873D}"/>
           </ac:picMkLst>
         </pc:picChg>
       </pc:sldChg>
@@ -1510,6 +1614,114 @@
     <p:extLst>
       <p:ext uri="{BB962C8B-B14F-4D97-AF65-F5344CB8AC3E}">
         <p14:creationId xmlns:p14="http://schemas.microsoft.com/office/powerpoint/2010/main" val="2784647311"/>
+      </p:ext>
+    </p:extLst>
+  </p:cSld>
+  <p:clrMapOvr>
+    <a:masterClrMapping/>
+  </p:clrMapOvr>
+</p:notes>
+</file>
+
+<file path=ppt/notesSlides/notesSlide7.xml><?xml version="1.0" encoding="utf-8"?>
+<p:notes xmlns:a="http://schemas.openxmlformats.org/drawingml/2006/main" xmlns:r="http://schemas.openxmlformats.org/officeDocument/2006/relationships" xmlns:p="http://schemas.openxmlformats.org/presentationml/2006/main">
+  <p:cSld>
+    <p:spTree>
+      <p:nvGrpSpPr>
+        <p:cNvPr id="1" name="">
+          <a:extLst>
+            <a:ext uri="{FF2B5EF4-FFF2-40B4-BE49-F238E27FC236}">
+              <a16:creationId xmlns:a16="http://schemas.microsoft.com/office/drawing/2014/main" id="{9B4EA456-727A-5B16-9CEF-491093539041}"/>
+            </a:ext>
+          </a:extLst>
+        </p:cNvPr>
+        <p:cNvGrpSpPr/>
+        <p:nvPr/>
+      </p:nvGrpSpPr>
+      <p:grpSpPr>
+        <a:xfrm>
+          <a:off x="0" y="0"/>
+          <a:ext cx="0" cy="0"/>
+          <a:chOff x="0" y="0"/>
+          <a:chExt cx="0" cy="0"/>
+        </a:xfrm>
+      </p:grpSpPr>
+      <p:sp>
+        <p:nvSpPr>
+          <p:cNvPr id="2" name="Slide Image Placeholder 1">
+            <a:extLst>
+              <a:ext uri="{FF2B5EF4-FFF2-40B4-BE49-F238E27FC236}">
+                <a16:creationId xmlns:a16="http://schemas.microsoft.com/office/drawing/2014/main" id="{6C5F8123-DE2C-E559-1FB7-A7012F621020}"/>
+              </a:ext>
+            </a:extLst>
+          </p:cNvPr>
+          <p:cNvSpPr>
+            <a:spLocks noGrp="1" noRot="1" noChangeAspect="1"/>
+          </p:cNvSpPr>
+          <p:nvPr>
+            <p:ph type="sldImg"/>
+          </p:nvPr>
+        </p:nvSpPr>
+        <p:spPr/>
+      </p:sp>
+      <p:sp>
+        <p:nvSpPr>
+          <p:cNvPr id="3" name="Notes Placeholder 2">
+            <a:extLst>
+              <a:ext uri="{FF2B5EF4-FFF2-40B4-BE49-F238E27FC236}">
+                <a16:creationId xmlns:a16="http://schemas.microsoft.com/office/drawing/2014/main" id="{A26E29FF-6ED0-4A23-0FDE-31EF054AC301}"/>
+              </a:ext>
+            </a:extLst>
+          </p:cNvPr>
+          <p:cNvSpPr>
+            <a:spLocks noGrp="1"/>
+          </p:cNvSpPr>
+          <p:nvPr>
+            <p:ph type="body" idx="1"/>
+          </p:nvPr>
+        </p:nvSpPr>
+        <p:spPr/>
+        <p:txBody>
+          <a:bodyPr/>
+          <a:lstStyle/>
+          <a:p>
+            <a:endParaRPr lang="LID4096" dirty="0"/>
+          </a:p>
+        </p:txBody>
+      </p:sp>
+      <p:sp>
+        <p:nvSpPr>
+          <p:cNvPr id="4" name="Slide Number Placeholder 3">
+            <a:extLst>
+              <a:ext uri="{FF2B5EF4-FFF2-40B4-BE49-F238E27FC236}">
+                <a16:creationId xmlns:a16="http://schemas.microsoft.com/office/drawing/2014/main" id="{1018151A-F7AD-7F98-B44E-910CDAB8080D}"/>
+              </a:ext>
+            </a:extLst>
+          </p:cNvPr>
+          <p:cNvSpPr>
+            <a:spLocks noGrp="1"/>
+          </p:cNvSpPr>
+          <p:nvPr>
+            <p:ph type="sldNum" sz="quarter" idx="5"/>
+          </p:nvPr>
+        </p:nvSpPr>
+        <p:spPr/>
+        <p:txBody>
+          <a:bodyPr/>
+          <a:lstStyle/>
+          <a:p>
+            <a:fld id="{E90F087D-B41B-4ABC-AA35-61D4B3D7137E}" type="slidenum">
+              <a:rPr lang="LID4096" smtClean="0"/>
+              <a:t>7</a:t>
+            </a:fld>
+            <a:endParaRPr lang="LID4096"/>
+          </a:p>
+        </p:txBody>
+      </p:sp>
+    </p:spTree>
+    <p:extLst>
+      <p:ext uri="{BB962C8B-B14F-4D97-AF65-F5344CB8AC3E}">
+        <p14:creationId xmlns:p14="http://schemas.microsoft.com/office/powerpoint/2010/main" val="1475467150"/>
       </p:ext>
     </p:extLst>
   </p:cSld>
@@ -7133,6 +7345,380 @@
     <p:extLst>
       <p:ext uri="{BB962C8B-B14F-4D97-AF65-F5344CB8AC3E}">
         <p14:creationId xmlns:p14="http://schemas.microsoft.com/office/powerpoint/2010/main" val="3142846291"/>
+      </p:ext>
+    </p:extLst>
+  </p:cSld>
+  <p:clrMapOvr>
+    <a:masterClrMapping/>
+  </p:clrMapOvr>
+</p:sld>
+</file>
+
+<file path=ppt/slides/slide7.xml><?xml version="1.0" encoding="utf-8"?>
+<p:sld xmlns:a="http://schemas.openxmlformats.org/drawingml/2006/main" xmlns:r="http://schemas.openxmlformats.org/officeDocument/2006/relationships" xmlns:p="http://schemas.openxmlformats.org/presentationml/2006/main">
+  <p:cSld>
+    <p:spTree>
+      <p:nvGrpSpPr>
+        <p:cNvPr id="1" name="">
+          <a:extLst>
+            <a:ext uri="{FF2B5EF4-FFF2-40B4-BE49-F238E27FC236}">
+              <a16:creationId xmlns:a16="http://schemas.microsoft.com/office/drawing/2014/main" id="{D1F44B76-341E-7D28-BA04-A97A0762E33B}"/>
+            </a:ext>
+          </a:extLst>
+        </p:cNvPr>
+        <p:cNvGrpSpPr/>
+        <p:nvPr/>
+      </p:nvGrpSpPr>
+      <p:grpSpPr>
+        <a:xfrm>
+          <a:off x="0" y="0"/>
+          <a:ext cx="0" cy="0"/>
+          <a:chOff x="0" y="0"/>
+          <a:chExt cx="0" cy="0"/>
+        </a:xfrm>
+      </p:grpSpPr>
+      <p:sp>
+        <p:nvSpPr>
+          <p:cNvPr id="2" name="Title 1">
+            <a:extLst>
+              <a:ext uri="{FF2B5EF4-FFF2-40B4-BE49-F238E27FC236}">
+                <a16:creationId xmlns:a16="http://schemas.microsoft.com/office/drawing/2014/main" id="{E5E6B61F-B7AD-1A67-2579-A2E887461ED8}"/>
+              </a:ext>
+            </a:extLst>
+          </p:cNvPr>
+          <p:cNvSpPr>
+            <a:spLocks noGrp="1"/>
+          </p:cNvSpPr>
+          <p:nvPr>
+            <p:ph type="ctrTitle"/>
+          </p:nvPr>
+        </p:nvSpPr>
+        <p:spPr/>
+        <p:txBody>
+          <a:bodyPr/>
+          <a:lstStyle/>
+          <a:p>
+            <a:endParaRPr lang="LID4096"/>
+          </a:p>
+        </p:txBody>
+      </p:sp>
+      <p:sp>
+        <p:nvSpPr>
+          <p:cNvPr id="3" name="Subtitle 2">
+            <a:extLst>
+              <a:ext uri="{FF2B5EF4-FFF2-40B4-BE49-F238E27FC236}">
+                <a16:creationId xmlns:a16="http://schemas.microsoft.com/office/drawing/2014/main" id="{4D7962B6-BB1B-9651-4E93-893E2D30B201}"/>
+              </a:ext>
+            </a:extLst>
+          </p:cNvPr>
+          <p:cNvSpPr>
+            <a:spLocks noGrp="1"/>
+          </p:cNvSpPr>
+          <p:nvPr>
+            <p:ph type="subTitle" idx="1"/>
+          </p:nvPr>
+        </p:nvSpPr>
+        <p:spPr/>
+        <p:txBody>
+          <a:bodyPr/>
+          <a:lstStyle/>
+          <a:p>
+            <a:endParaRPr lang="LID4096"/>
+          </a:p>
+        </p:txBody>
+      </p:sp>
+      <p:pic>
+        <p:nvPicPr>
+          <p:cNvPr id="5" name="Picture 4" descr="A white rectangle with blue and white shapes&#10;&#10;AI-generated content may be incorrect.">
+            <a:extLst>
+              <a:ext uri="{FF2B5EF4-FFF2-40B4-BE49-F238E27FC236}">
+                <a16:creationId xmlns:a16="http://schemas.microsoft.com/office/drawing/2014/main" id="{5EAEE119-3EDF-BFE2-1FEF-29C458784A93}"/>
+              </a:ext>
+            </a:extLst>
+          </p:cNvPr>
+          <p:cNvPicPr>
+            <a:picLocks noChangeAspect="1"/>
+          </p:cNvPicPr>
+          <p:nvPr/>
+        </p:nvPicPr>
+        <p:blipFill>
+          <a:blip r:embed="rId3">
+            <a:extLst>
+              <a:ext uri="{28A0092B-C50C-407E-A947-70E740481C1C}">
+                <a14:useLocalDpi xmlns:a14="http://schemas.microsoft.com/office/drawing/2010/main" val="0"/>
+              </a:ext>
+            </a:extLst>
+          </a:blip>
+          <a:stretch>
+            <a:fillRect/>
+          </a:stretch>
+        </p:blipFill>
+        <p:spPr>
+          <a:xfrm>
+            <a:off x="0" y="-25402"/>
+            <a:ext cx="12192000" cy="7003915"/>
+          </a:xfrm>
+          <a:prstGeom prst="rect">
+            <a:avLst/>
+          </a:prstGeom>
+          <a:effectLst>
+            <a:outerShdw dist="50800" dir="5400000" algn="ctr" rotWithShape="0">
+              <a:srgbClr val="000000"/>
+            </a:outerShdw>
+          </a:effectLst>
+        </p:spPr>
+      </p:pic>
+      <p:sp>
+        <p:nvSpPr>
+          <p:cNvPr id="6" name="Rectangle 5">
+            <a:extLst>
+              <a:ext uri="{FF2B5EF4-FFF2-40B4-BE49-F238E27FC236}">
+                <a16:creationId xmlns:a16="http://schemas.microsoft.com/office/drawing/2014/main" id="{B3259947-F8BF-B730-6F02-B5BAC459EB9A}"/>
+              </a:ext>
+            </a:extLst>
+          </p:cNvPr>
+          <p:cNvSpPr/>
+          <p:nvPr/>
+        </p:nvSpPr>
+        <p:spPr>
+          <a:xfrm>
+            <a:off x="-358766" y="1122363"/>
+            <a:ext cx="12110937" cy="754053"/>
+          </a:xfrm>
+          <a:prstGeom prst="rect">
+            <a:avLst/>
+          </a:prstGeom>
+          <a:noFill/>
+        </p:spPr>
+        <p:txBody>
+          <a:bodyPr wrap="square" lIns="91440" tIns="45720" rIns="91440" bIns="45720">
+            <a:spAutoFit/>
+            <a:scene3d>
+              <a:camera prst="orthographicFront"/>
+              <a:lightRig rig="soft" dir="t">
+                <a:rot lat="0" lon="0" rev="15600000"/>
+              </a:lightRig>
+            </a:scene3d>
+            <a:sp3d extrusionH="57150" prstMaterial="softEdge">
+              <a:bevelT w="25400" h="38100"/>
+            </a:sp3d>
+          </a:bodyPr>
+          <a:lstStyle/>
+          <a:p>
+            <a:pPr algn="ctr"/>
+            <a:r>
+              <a:rPr lang="en-US" sz="4300" b="1" dirty="0">
+                <a:ln w="13462">
+                  <a:solidFill>
+                    <a:schemeClr val="bg1"/>
+                  </a:solidFill>
+                  <a:prstDash val="solid"/>
+                </a:ln>
+                <a:solidFill>
+                  <a:schemeClr val="tx2">
+                    <a:lumMod val="50000"/>
+                    <a:lumOff val="50000"/>
+                  </a:schemeClr>
+                </a:solidFill>
+                <a:effectLst>
+                  <a:outerShdw dist="38100" dir="2700000" algn="bl" rotWithShape="0">
+                    <a:schemeClr val="accent5"/>
+                  </a:outerShdw>
+                </a:effectLst>
+              </a:rPr>
+              <a:t>LINKS</a:t>
+            </a:r>
+          </a:p>
+        </p:txBody>
+      </p:sp>
+      <p:pic>
+        <p:nvPicPr>
+          <p:cNvPr id="12" name="Picture 11" descr="A black background with red text&#10;&#10;AI-generated content may be incorrect.">
+            <a:extLst>
+              <a:ext uri="{FF2B5EF4-FFF2-40B4-BE49-F238E27FC236}">
+                <a16:creationId xmlns:a16="http://schemas.microsoft.com/office/drawing/2014/main" id="{CB895FD7-B6AD-8BC1-BB92-051E94A841DD}"/>
+              </a:ext>
+            </a:extLst>
+          </p:cNvPr>
+          <p:cNvPicPr>
+            <a:picLocks noChangeAspect="1"/>
+          </p:cNvPicPr>
+          <p:nvPr/>
+        </p:nvPicPr>
+        <p:blipFill>
+          <a:blip r:embed="rId4">
+            <a:extLst>
+              <a:ext uri="{28A0092B-C50C-407E-A947-70E740481C1C}">
+                <a14:useLocalDpi xmlns:a14="http://schemas.microsoft.com/office/drawing/2010/main" val="0"/>
+              </a:ext>
+            </a:extLst>
+          </a:blip>
+          <a:stretch>
+            <a:fillRect/>
+          </a:stretch>
+        </p:blipFill>
+        <p:spPr>
+          <a:xfrm>
+            <a:off x="9291041" y="6293127"/>
+            <a:ext cx="2900959" cy="636175"/>
+          </a:xfrm>
+          <a:prstGeom prst="rect">
+            <a:avLst/>
+          </a:prstGeom>
+        </p:spPr>
+      </p:pic>
+      <p:pic>
+        <p:nvPicPr>
+          <p:cNvPr id="8" name="Picture 7" descr="A black and white image of a file&#10;&#10;AI-generated content may be incorrect.">
+            <a:hlinkClick r:id="rId5"/>
+            <a:extLst>
+              <a:ext uri="{FF2B5EF4-FFF2-40B4-BE49-F238E27FC236}">
+                <a16:creationId xmlns:a16="http://schemas.microsoft.com/office/drawing/2014/main" id="{04CAF2E3-A190-F538-3C47-108EFF7A00AE}"/>
+              </a:ext>
+            </a:extLst>
+          </p:cNvPr>
+          <p:cNvPicPr>
+            <a:picLocks noChangeAspect="1"/>
+          </p:cNvPicPr>
+          <p:nvPr/>
+        </p:nvPicPr>
+        <p:blipFill>
+          <a:blip r:embed="rId6">
+            <a:extLst>
+              <a:ext uri="{28A0092B-C50C-407E-A947-70E740481C1C}">
+                <a14:useLocalDpi xmlns:a14="http://schemas.microsoft.com/office/drawing/2010/main" val="0"/>
+              </a:ext>
+            </a:extLst>
+          </a:blip>
+          <a:stretch>
+            <a:fillRect/>
+          </a:stretch>
+        </p:blipFill>
+        <p:spPr>
+          <a:xfrm>
+            <a:off x="1524000" y="2036689"/>
+            <a:ext cx="1602317" cy="1602317"/>
+          </a:xfrm>
+          <a:prstGeom prst="rect">
+            <a:avLst/>
+          </a:prstGeom>
+        </p:spPr>
+      </p:pic>
+      <p:pic>
+        <p:nvPicPr>
+          <p:cNvPr id="13" name="Picture 12" descr="A black cat in a circle&#10;&#10;AI-generated content may be incorrect.">
+            <a:hlinkClick r:id="rId7"/>
+            <a:extLst>
+              <a:ext uri="{FF2B5EF4-FFF2-40B4-BE49-F238E27FC236}">
+                <a16:creationId xmlns:a16="http://schemas.microsoft.com/office/drawing/2014/main" id="{A01432F0-6C7E-9DCA-D3EF-F4F134A8825E}"/>
+              </a:ext>
+            </a:extLst>
+          </p:cNvPr>
+          <p:cNvPicPr>
+            <a:picLocks noChangeAspect="1"/>
+          </p:cNvPicPr>
+          <p:nvPr/>
+        </p:nvPicPr>
+        <p:blipFill>
+          <a:blip r:embed="rId8">
+            <a:extLst>
+              <a:ext uri="{28A0092B-C50C-407E-A947-70E740481C1C}">
+                <a14:useLocalDpi xmlns:a14="http://schemas.microsoft.com/office/drawing/2010/main" val="0"/>
+              </a:ext>
+            </a:extLst>
+          </a:blip>
+          <a:stretch>
+            <a:fillRect/>
+          </a:stretch>
+        </p:blipFill>
+        <p:spPr>
+          <a:xfrm>
+            <a:off x="3485083" y="2036689"/>
+            <a:ext cx="1602317" cy="1602317"/>
+          </a:xfrm>
+          <a:prstGeom prst="rect">
+            <a:avLst/>
+          </a:prstGeom>
+        </p:spPr>
+      </p:pic>
+      <p:pic>
+        <p:nvPicPr>
+          <p:cNvPr id="16" name="Picture 15" descr="A black screen with text&#10;&#10;AI-generated content may be incorrect.">
+            <a:hlinkClick r:id="rId9"/>
+            <a:extLst>
+              <a:ext uri="{FF2B5EF4-FFF2-40B4-BE49-F238E27FC236}">
+                <a16:creationId xmlns:a16="http://schemas.microsoft.com/office/drawing/2014/main" id="{7F1D4758-A01D-705E-1FB6-2BD3A170B449}"/>
+              </a:ext>
+            </a:extLst>
+          </p:cNvPr>
+          <p:cNvPicPr>
+            <a:picLocks noChangeAspect="1"/>
+          </p:cNvPicPr>
+          <p:nvPr/>
+        </p:nvPicPr>
+        <p:blipFill>
+          <a:blip r:embed="rId10">
+            <a:extLst>
+              <a:ext uri="{28A0092B-C50C-407E-A947-70E740481C1C}">
+                <a14:useLocalDpi xmlns:a14="http://schemas.microsoft.com/office/drawing/2010/main" val="0"/>
+              </a:ext>
+            </a:extLst>
+          </a:blip>
+          <a:stretch>
+            <a:fillRect/>
+          </a:stretch>
+        </p:blipFill>
+        <p:spPr>
+          <a:xfrm>
+            <a:off x="5446166" y="2007055"/>
+            <a:ext cx="1661584" cy="1661584"/>
+          </a:xfrm>
+          <a:prstGeom prst="rect">
+            <a:avLst/>
+          </a:prstGeom>
+        </p:spPr>
+      </p:pic>
+      <p:pic>
+        <p:nvPicPr>
+          <p:cNvPr id="20" name="Picture 19" descr="A black and white logo&#10;&#10;AI-generated content may be incorrect.">
+            <a:hlinkClick r:id="rId11"/>
+            <a:extLst>
+              <a:ext uri="{FF2B5EF4-FFF2-40B4-BE49-F238E27FC236}">
+                <a16:creationId xmlns:a16="http://schemas.microsoft.com/office/drawing/2014/main" id="{F1932465-3360-C765-3251-774EBE16873D}"/>
+              </a:ext>
+            </a:extLst>
+          </p:cNvPr>
+          <p:cNvPicPr>
+            <a:picLocks noChangeAspect="1"/>
+          </p:cNvPicPr>
+          <p:nvPr/>
+        </p:nvPicPr>
+        <p:blipFill>
+          <a:blip r:embed="rId12">
+            <a:extLst>
+              <a:ext uri="{28A0092B-C50C-407E-A947-70E740481C1C}">
+                <a14:useLocalDpi xmlns:a14="http://schemas.microsoft.com/office/drawing/2010/main" val="0"/>
+              </a:ext>
+            </a:extLst>
+          </a:blip>
+          <a:stretch>
+            <a:fillRect/>
+          </a:stretch>
+        </p:blipFill>
+        <p:spPr>
+          <a:xfrm>
+            <a:off x="7989350" y="2036689"/>
+            <a:ext cx="1661584" cy="1661584"/>
+          </a:xfrm>
+          <a:prstGeom prst="rect">
+            <a:avLst/>
+          </a:prstGeom>
+        </p:spPr>
+      </p:pic>
+    </p:spTree>
+    <p:extLst>
+      <p:ext uri="{BB962C8B-B14F-4D97-AF65-F5344CB8AC3E}">
+        <p14:creationId xmlns:p14="http://schemas.microsoft.com/office/powerpoint/2010/main" val="1537036617"/>
       </p:ext>
     </p:extLst>
   </p:cSld>
